--- a/Präsentation1.pptx
+++ b/Präsentation1.pptx
@@ -6,11 +6,11 @@
     <p:sldMasterId id="2147483660" r:id="rId2"/>
   </p:sldMasterIdLst>
   <p:notesMasterIdLst>
-    <p:notesMasterId r:id="rId50"/>
+    <p:notesMasterId r:id="rId49"/>
   </p:notesMasterIdLst>
   <p:sldIdLst>
     <p:sldId id="256" r:id="rId3"/>
-    <p:sldId id="266" r:id="rId4"/>
+    <p:sldId id="377" r:id="rId4"/>
     <p:sldId id="338" r:id="rId5"/>
     <p:sldId id="369" r:id="rId6"/>
     <p:sldId id="370" r:id="rId7"/>
@@ -40,22 +40,21 @@
     <p:sldId id="364" r:id="rId31"/>
     <p:sldId id="366" r:id="rId32"/>
     <p:sldId id="363" r:id="rId33"/>
-    <p:sldId id="367" r:id="rId34"/>
-    <p:sldId id="358" r:id="rId35"/>
-    <p:sldId id="345" r:id="rId36"/>
-    <p:sldId id="347" r:id="rId37"/>
-    <p:sldId id="350" r:id="rId38"/>
-    <p:sldId id="351" r:id="rId39"/>
-    <p:sldId id="355" r:id="rId40"/>
-    <p:sldId id="352" r:id="rId41"/>
-    <p:sldId id="353" r:id="rId42"/>
-    <p:sldId id="354" r:id="rId43"/>
-    <p:sldId id="356" r:id="rId44"/>
-    <p:sldId id="357" r:id="rId45"/>
-    <p:sldId id="375" r:id="rId46"/>
-    <p:sldId id="376" r:id="rId47"/>
-    <p:sldId id="323" r:id="rId48"/>
-    <p:sldId id="321" r:id="rId49"/>
+    <p:sldId id="358" r:id="rId34"/>
+    <p:sldId id="345" r:id="rId35"/>
+    <p:sldId id="347" r:id="rId36"/>
+    <p:sldId id="350" r:id="rId37"/>
+    <p:sldId id="351" r:id="rId38"/>
+    <p:sldId id="355" r:id="rId39"/>
+    <p:sldId id="352" r:id="rId40"/>
+    <p:sldId id="353" r:id="rId41"/>
+    <p:sldId id="354" r:id="rId42"/>
+    <p:sldId id="356" r:id="rId43"/>
+    <p:sldId id="357" r:id="rId44"/>
+    <p:sldId id="375" r:id="rId45"/>
+    <p:sldId id="376" r:id="rId46"/>
+    <p:sldId id="323" r:id="rId47"/>
+    <p:sldId id="321" r:id="rId48"/>
   </p:sldIdLst>
   <p:sldSz cx="9144000" cy="6858000" type="screen4x3"/>
   <p:notesSz cx="6858000" cy="9144000"/>
@@ -1505,7 +1504,7 @@
     </p:spTree>
     <p:extLst>
       <p:ext uri="{BB962C8B-B14F-4D97-AF65-F5344CB8AC3E}">
-        <p14:creationId xmlns:p14="http://schemas.microsoft.com/office/powerpoint/2010/main" val="3787868010"/>
+        <p14:creationId xmlns:p14="http://schemas.microsoft.com/office/powerpoint/2010/main" val="1686808650"/>
       </p:ext>
     </p:extLst>
   </p:cSld>
@@ -2168,7 +2167,7 @@
           <a:p>
             <a:fld id="{4FE8F0C2-877A-49F8-B7A1-7F48C9F034FD}" type="slidenum">
               <a:rPr lang="de-DE" smtClean="0"/>
-              <a:t>32</a:t>
+              <a:t>33</a:t>
             </a:fld>
             <a:endParaRPr lang="de-DE"/>
           </a:p>
@@ -2177,7 +2176,7 @@
     </p:spTree>
     <p:extLst>
       <p:ext uri="{BB962C8B-B14F-4D97-AF65-F5344CB8AC3E}">
-        <p14:creationId xmlns:p14="http://schemas.microsoft.com/office/powerpoint/2010/main" val="1790288722"/>
+        <p14:creationId xmlns:p14="http://schemas.microsoft.com/office/powerpoint/2010/main" val="3787868010"/>
       </p:ext>
     </p:extLst>
   </p:cSld>
@@ -2261,7 +2260,7 @@
     </p:spTree>
     <p:extLst>
       <p:ext uri="{BB962C8B-B14F-4D97-AF65-F5344CB8AC3E}">
-        <p14:creationId xmlns:p14="http://schemas.microsoft.com/office/powerpoint/2010/main" val="3787868010"/>
+        <p14:creationId xmlns:p14="http://schemas.microsoft.com/office/powerpoint/2010/main" val="1790288722"/>
       </p:ext>
     </p:extLst>
   </p:cSld>
@@ -3181,6 +3180,14 @@
           <a:bodyPr/>
           <a:lstStyle/>
           <a:p>
+            <a:r>
+              <a:rPr lang="de-DE" dirty="0" smtClean="0"/>
+              <a:t>Hier fehlt </a:t>
+            </a:r>
+            <a:r>
+              <a:rPr lang="de-DE" smtClean="0"/>
+              <a:t>ein Zitat</a:t>
+            </a:r>
             <a:endParaRPr lang="de-DE" dirty="0"/>
           </a:p>
         </p:txBody>
@@ -3450,13 +3457,41 @@
           <a:lstStyle/>
           <a:p>
             <a:r>
-              <a:rPr lang="de-DE" dirty="0" smtClean="0"/>
-              <a:t>Hier fehlt </a:t>
-            </a:r>
-            <a:r>
-              <a:rPr lang="de-DE" smtClean="0"/>
-              <a:t>ein Zitat</a:t>
-            </a:r>
+              <a:rPr lang="de-DE" sz="1200" dirty="0" smtClean="0"/>
+              <a:t>Rahmendaten zur Arbeit (3)</a:t>
+            </a:r>
+          </a:p>
+          <a:p>
+            <a:r>
+              <a:rPr lang="de-DE" sz="1200" dirty="0" smtClean="0"/>
+              <a:t>Umfeld (10)</a:t>
+            </a:r>
+          </a:p>
+          <a:p>
+            <a:r>
+              <a:rPr lang="de-DE" sz="1200" dirty="0" smtClean="0"/>
+              <a:t>Inhalte und Ergebnisse (11)</a:t>
+            </a:r>
+          </a:p>
+          <a:p>
+            <a:r>
+              <a:rPr lang="de-DE" sz="1200" dirty="0" smtClean="0"/>
+              <a:t>Inhaltliche Struktur (2)</a:t>
+            </a:r>
+          </a:p>
+          <a:p>
+            <a:r>
+              <a:rPr lang="de-DE" sz="1200" dirty="0" smtClean="0"/>
+              <a:t>Herangehensweise</a:t>
+            </a:r>
+          </a:p>
+          <a:p>
+            <a:r>
+              <a:rPr lang="de-DE" sz="1200" dirty="0" smtClean="0"/>
+              <a:t>Einschätzung</a:t>
+            </a:r>
+          </a:p>
+          <a:p>
             <a:endParaRPr lang="de-DE" dirty="0"/>
           </a:p>
         </p:txBody>
@@ -3478,7 +3513,7 @@
           <a:p>
             <a:fld id="{4FE8F0C2-877A-49F8-B7A1-7F48C9F034FD}" type="slidenum">
               <a:rPr lang="de-DE" smtClean="0"/>
-              <a:t>45</a:t>
+              <a:t>46</a:t>
             </a:fld>
             <a:endParaRPr lang="de-DE"/>
           </a:p>
@@ -3487,7 +3522,7 @@
     </p:spTree>
     <p:extLst>
       <p:ext uri="{BB962C8B-B14F-4D97-AF65-F5344CB8AC3E}">
-        <p14:creationId xmlns:p14="http://schemas.microsoft.com/office/powerpoint/2010/main" val="1790288722"/>
+        <p14:creationId xmlns:p14="http://schemas.microsoft.com/office/powerpoint/2010/main" val="3787868010"/>
       </p:ext>
     </p:extLst>
   </p:cSld>
@@ -3628,126 +3663,6 @@
             <a:fld id="{4FE8F0C2-877A-49F8-B7A1-7F48C9F034FD}" type="slidenum">
               <a:rPr lang="de-DE" smtClean="0"/>
               <a:t>5</a:t>
-            </a:fld>
-            <a:endParaRPr lang="de-DE"/>
-          </a:p>
-        </p:txBody>
-      </p:sp>
-    </p:spTree>
-    <p:extLst>
-      <p:ext uri="{BB962C8B-B14F-4D97-AF65-F5344CB8AC3E}">
-        <p14:creationId xmlns:p14="http://schemas.microsoft.com/office/powerpoint/2010/main" val="3787868010"/>
-      </p:ext>
-    </p:extLst>
-  </p:cSld>
-  <p:clrMapOvr>
-    <a:masterClrMapping/>
-  </p:clrMapOvr>
-</p:notes>
-</file>
-
-<file path=ppt/notesSlides/notesSlide40.xml><?xml version="1.0" encoding="utf-8"?>
-<p:notes xmlns:a="http://schemas.openxmlformats.org/drawingml/2006/main" xmlns:r="http://schemas.openxmlformats.org/officeDocument/2006/relationships" xmlns:p="http://schemas.openxmlformats.org/presentationml/2006/main">
-  <p:cSld>
-    <p:spTree>
-      <p:nvGrpSpPr>
-        <p:cNvPr id="1" name=""/>
-        <p:cNvGrpSpPr/>
-        <p:nvPr/>
-      </p:nvGrpSpPr>
-      <p:grpSpPr>
-        <a:xfrm>
-          <a:off x="0" y="0"/>
-          <a:ext cx="0" cy="0"/>
-          <a:chOff x="0" y="0"/>
-          <a:chExt cx="0" cy="0"/>
-        </a:xfrm>
-      </p:grpSpPr>
-      <p:sp>
-        <p:nvSpPr>
-          <p:cNvPr id="2" name="Folienbildplatzhalter 1"/>
-          <p:cNvSpPr>
-            <a:spLocks noGrp="1" noRot="1" noChangeAspect="1"/>
-          </p:cNvSpPr>
-          <p:nvPr>
-            <p:ph type="sldImg"/>
-          </p:nvPr>
-        </p:nvSpPr>
-        <p:spPr/>
-      </p:sp>
-      <p:sp>
-        <p:nvSpPr>
-          <p:cNvPr id="3" name="Notizenplatzhalter 2"/>
-          <p:cNvSpPr>
-            <a:spLocks noGrp="1"/>
-          </p:cNvSpPr>
-          <p:nvPr>
-            <p:ph type="body" idx="1"/>
-          </p:nvPr>
-        </p:nvSpPr>
-        <p:spPr/>
-        <p:txBody>
-          <a:bodyPr/>
-          <a:lstStyle/>
-          <a:p>
-            <a:r>
-              <a:rPr lang="de-DE" sz="1200" dirty="0" smtClean="0"/>
-              <a:t>Rahmendaten zur Arbeit (3)</a:t>
-            </a:r>
-          </a:p>
-          <a:p>
-            <a:r>
-              <a:rPr lang="de-DE" sz="1200" dirty="0" smtClean="0"/>
-              <a:t>Umfeld (10)</a:t>
-            </a:r>
-          </a:p>
-          <a:p>
-            <a:r>
-              <a:rPr lang="de-DE" sz="1200" dirty="0" smtClean="0"/>
-              <a:t>Inhalte und Ergebnisse (11)</a:t>
-            </a:r>
-          </a:p>
-          <a:p>
-            <a:r>
-              <a:rPr lang="de-DE" sz="1200" dirty="0" smtClean="0"/>
-              <a:t>Inhaltliche Struktur (2)</a:t>
-            </a:r>
-          </a:p>
-          <a:p>
-            <a:r>
-              <a:rPr lang="de-DE" sz="1200" dirty="0" smtClean="0"/>
-              <a:t>Herangehensweise</a:t>
-            </a:r>
-          </a:p>
-          <a:p>
-            <a:r>
-              <a:rPr lang="de-DE" sz="1200" dirty="0" smtClean="0"/>
-              <a:t>Einschätzung</a:t>
-            </a:r>
-          </a:p>
-          <a:p>
-            <a:endParaRPr lang="de-DE" dirty="0"/>
-          </a:p>
-        </p:txBody>
-      </p:sp>
-      <p:sp>
-        <p:nvSpPr>
-          <p:cNvPr id="4" name="Foliennummernplatzhalter 3"/>
-          <p:cNvSpPr>
-            <a:spLocks noGrp="1"/>
-          </p:cNvSpPr>
-          <p:nvPr>
-            <p:ph type="sldNum" sz="quarter" idx="10"/>
-          </p:nvPr>
-        </p:nvSpPr>
-        <p:spPr/>
-        <p:txBody>
-          <a:bodyPr/>
-          <a:lstStyle/>
-          <a:p>
-            <a:fld id="{4FE8F0C2-877A-49F8-B7A1-7F48C9F034FD}" type="slidenum">
-              <a:rPr lang="de-DE" smtClean="0"/>
-              <a:t>47</a:t>
             </a:fld>
             <a:endParaRPr lang="de-DE"/>
           </a:p>
@@ -14169,16 +14084,6 @@
 <file path=ppt/slides/slide2.xml><?xml version="1.0" encoding="utf-8"?>
 <p:sld xmlns:a="http://schemas.openxmlformats.org/drawingml/2006/main" xmlns:r="http://schemas.openxmlformats.org/officeDocument/2006/relationships" xmlns:p="http://schemas.openxmlformats.org/presentationml/2006/main">
   <p:cSld>
-    <p:bg>
-      <p:bgPr>
-        <a:solidFill>
-          <a:schemeClr val="accent1">
-            <a:lumMod val="50000"/>
-          </a:schemeClr>
-        </a:solidFill>
-        <a:effectLst/>
-      </p:bgPr>
-    </p:bg>
     <p:spTree>
       <p:nvGrpSpPr>
         <p:cNvPr id="1" name=""/>
@@ -14195,200 +14100,225 @@
       </p:grpSpPr>
       <p:sp>
         <p:nvSpPr>
-          <p:cNvPr id="7" name="Rechteck 6"/>
-          <p:cNvSpPr/>
-          <p:nvPr/>
+          <p:cNvPr id="2" name="Titel 1"/>
+          <p:cNvSpPr>
+            <a:spLocks noGrp="1"/>
+          </p:cNvSpPr>
+          <p:nvPr>
+            <p:ph type="title"/>
+          </p:nvPr>
         </p:nvSpPr>
         <p:spPr>
           <a:xfrm>
-            <a:off x="327546" y="980727"/>
-            <a:ext cx="2876302" cy="5106988"/>
+            <a:off x="323528" y="188640"/>
+            <a:ext cx="8363272" cy="580926"/>
           </a:xfrm>
-          <a:prstGeom prst="rect">
-            <a:avLst/>
-          </a:prstGeom>
-          <a:solidFill>
-            <a:schemeClr val="bg1"/>
-          </a:solidFill>
-          <a:ln>
-            <a:noFill/>
-          </a:ln>
         </p:spPr>
-        <p:style>
-          <a:lnRef idx="2">
-            <a:schemeClr val="dk1">
-              <a:shade val="50000"/>
-            </a:schemeClr>
-          </a:lnRef>
-          <a:fillRef idx="1">
-            <a:schemeClr val="dk1"/>
-          </a:fillRef>
-          <a:effectRef idx="0">
-            <a:schemeClr val="dk1"/>
-          </a:effectRef>
-          <a:fontRef idx="minor">
-            <a:schemeClr val="lt1"/>
-          </a:fontRef>
-        </p:style>
-        <p:txBody>
-          <a:bodyPr rtlCol="0" anchor="ctr"/>
-          <a:lstStyle/>
-          <a:p>
-            <a:pPr algn="ctr"/>
-            <a:endParaRPr lang="de-DE"/>
-          </a:p>
-        </p:txBody>
-      </p:sp>
-      <p:sp>
-        <p:nvSpPr>
-          <p:cNvPr id="2" name="Titel 1"/>
-          <p:cNvSpPr>
-            <a:spLocks noGrp="1"/>
-          </p:cNvSpPr>
-          <p:nvPr>
-            <p:ph type="title"/>
-          </p:nvPr>
-        </p:nvSpPr>
-        <p:spPr/>
         <p:txBody>
           <a:bodyPr>
             <a:normAutofit fontScale="90000"/>
           </a:bodyPr>
           <a:lstStyle/>
           <a:p>
+            <a:pPr lvl="0"/>
+            <a:r>
+              <a:rPr lang="de-DE" dirty="0" smtClean="0"/>
+              <a:t>Gliederung</a:t>
+            </a:r>
+            <a:endParaRPr lang="de-DE" dirty="0"/>
+          </a:p>
+        </p:txBody>
+      </p:sp>
+      <p:sp>
+        <p:nvSpPr>
+          <p:cNvPr id="3" name="Inhaltsplatzhalter 2"/>
+          <p:cNvSpPr>
+            <a:spLocks noGrp="1"/>
+          </p:cNvSpPr>
+          <p:nvPr>
+            <p:ph idx="1"/>
+          </p:nvPr>
+        </p:nvSpPr>
+        <p:spPr/>
+        <p:txBody>
+          <a:bodyPr>
+            <a:normAutofit lnSpcReduction="10000"/>
+          </a:bodyPr>
+          <a:lstStyle/>
+          <a:p>
             <a:r>
               <a:rPr lang="de-DE" dirty="0"/>
-              <a:t>Gliederung</a:t>
-            </a:r>
-          </a:p>
-        </p:txBody>
-      </p:sp>
-      <p:sp>
-        <p:nvSpPr>
-          <p:cNvPr id="4" name="Inhaltsplatzhalter 2"/>
-          <p:cNvSpPr>
-            <a:spLocks noGrp="1"/>
-          </p:cNvSpPr>
-          <p:nvPr>
-            <p:ph idx="1"/>
-          </p:nvPr>
-        </p:nvSpPr>
-        <p:spPr/>
-        <p:txBody>
-          <a:bodyPr>
-            <a:normAutofit/>
-          </a:bodyPr>
-          <a:lstStyle/>
-          <a:p>
-            <a:r>
-              <a:rPr lang="de-DE" sz="2800" dirty="0" smtClean="0"/>
-              <a:t>Gesetzlicher Rahmen</a:t>
-            </a:r>
-          </a:p>
-          <a:p>
-            <a:r>
-              <a:rPr lang="de-DE" sz="2800" dirty="0" smtClean="0"/>
-              <a:t>Moral und Ethik</a:t>
-            </a:r>
-          </a:p>
-          <a:p>
-            <a:r>
-              <a:rPr lang="de-DE" sz="2800" dirty="0" smtClean="0"/>
-              <a:t>Finanzierung in der Hochschulforschung</a:t>
+              <a:t>Moral und </a:t>
+            </a:r>
+            <a:r>
+              <a:rPr lang="de-DE" dirty="0" smtClean="0"/>
+              <a:t>Ethik </a:t>
+            </a:r>
+            <a:br>
+              <a:rPr lang="de-DE" dirty="0" smtClean="0"/>
+            </a:br>
+            <a:r>
+              <a:rPr lang="de-DE" sz="2000" dirty="0" smtClean="0"/>
+              <a:t>von </a:t>
+            </a:r>
+            <a:r>
+              <a:rPr lang="de-DE" sz="2000" dirty="0" err="1"/>
+              <a:t>Glaucia</a:t>
+            </a:r>
+            <a:r>
+              <a:rPr lang="de-DE" sz="2000" dirty="0"/>
+              <a:t> </a:t>
+            </a:r>
+            <a:r>
+              <a:rPr lang="de-DE" sz="2000" dirty="0" err="1"/>
+              <a:t>Cancino</a:t>
             </a:r>
             <a:endParaRPr lang="de-DE" sz="2800" dirty="0" smtClean="0"/>
           </a:p>
           <a:p>
             <a:r>
-              <a:rPr lang="de-DE" sz="2800" dirty="0" smtClean="0"/>
-              <a:t>Selbsteinschränkung der Universitäten</a:t>
-            </a:r>
-            <a:endParaRPr lang="de-DE" sz="2800" dirty="0" smtClean="0"/>
-          </a:p>
-          <a:p>
-            <a:r>
-              <a:rPr lang="de-DE" sz="2800" dirty="0" smtClean="0"/>
-              <a:t>Themenfindung in der Forschung</a:t>
-            </a:r>
-            <a:endParaRPr lang="de-DE" sz="2800" dirty="0" smtClean="0"/>
-          </a:p>
-          <a:p>
-            <a:r>
-              <a:rPr lang="de-DE" sz="2800" dirty="0" smtClean="0"/>
-              <a:t>Gesellschaften für Verantwortung</a:t>
-            </a:r>
-          </a:p>
-          <a:p>
-            <a:pPr marL="0" indent="0">
-              <a:buNone/>
-            </a:pPr>
-            <a:endParaRPr lang="de-DE" sz="2800" dirty="0" smtClean="0"/>
-          </a:p>
-          <a:p>
-            <a:endParaRPr lang="de-DE" sz="2800" dirty="0" smtClean="0"/>
-          </a:p>
-          <a:p>
-            <a:endParaRPr lang="de-DE" sz="2800" dirty="0" smtClean="0"/>
-          </a:p>
-        </p:txBody>
-      </p:sp>
-      <p:sp>
-        <p:nvSpPr>
-          <p:cNvPr id="9" name="Rechteck 8"/>
-          <p:cNvSpPr/>
-          <p:nvPr/>
-        </p:nvSpPr>
-        <p:spPr>
-          <a:xfrm>
-            <a:off x="324099" y="980727"/>
-            <a:ext cx="2876302" cy="5106988"/>
-          </a:xfrm>
-          <a:prstGeom prst="rect">
-            <a:avLst/>
-          </a:prstGeom>
-          <a:noFill/>
-          <a:ln>
-            <a:solidFill>
-              <a:schemeClr val="tx2">
-                <a:lumMod val="75000"/>
-              </a:schemeClr>
-            </a:solidFill>
-          </a:ln>
-        </p:spPr>
-        <p:style>
-          <a:lnRef idx="2">
-            <a:schemeClr val="dk1">
-              <a:shade val="50000"/>
-            </a:schemeClr>
-          </a:lnRef>
-          <a:fillRef idx="1">
-            <a:schemeClr val="dk1"/>
-          </a:fillRef>
-          <a:effectRef idx="0">
-            <a:schemeClr val="dk1"/>
-          </a:effectRef>
-          <a:fontRef idx="minor">
-            <a:schemeClr val="lt1"/>
-          </a:fontRef>
-        </p:style>
-        <p:txBody>
-          <a:bodyPr rtlCol="0" anchor="ctr"/>
-          <a:lstStyle/>
-          <a:p>
-            <a:pPr algn="ctr"/>
-            <a:endParaRPr lang="de-DE"/>
+              <a:rPr lang="de-DE" dirty="0" smtClean="0"/>
+              <a:t>Beeinflussung </a:t>
+            </a:r>
+            <a:r>
+              <a:rPr lang="de-DE" dirty="0"/>
+              <a:t>der </a:t>
+            </a:r>
+            <a:r>
+              <a:rPr lang="de-DE" dirty="0" smtClean="0"/>
+              <a:t>Wissenschaft </a:t>
+            </a:r>
+            <a:br>
+              <a:rPr lang="de-DE" dirty="0" smtClean="0"/>
+            </a:br>
+            <a:r>
+              <a:rPr lang="de-DE" sz="2000" dirty="0" smtClean="0"/>
+              <a:t>von </a:t>
+            </a:r>
+            <a:r>
+              <a:rPr lang="de-DE" sz="2000" dirty="0"/>
+              <a:t>Elena </a:t>
+            </a:r>
+            <a:r>
+              <a:rPr lang="de-DE" sz="2000" dirty="0" smtClean="0"/>
+              <a:t>Maier</a:t>
+            </a:r>
+            <a:endParaRPr lang="de-DE" dirty="0"/>
+          </a:p>
+          <a:p>
+            <a:r>
+              <a:rPr lang="de-DE" dirty="0"/>
+              <a:t>Gesetzlicher </a:t>
+            </a:r>
+            <a:r>
+              <a:rPr lang="de-DE" dirty="0" smtClean="0"/>
+              <a:t>Rahmen </a:t>
+            </a:r>
+            <a:br>
+              <a:rPr lang="de-DE" dirty="0" smtClean="0"/>
+            </a:br>
+            <a:r>
+              <a:rPr lang="de-DE" sz="2000" dirty="0" smtClean="0"/>
+              <a:t>von Dana </a:t>
+            </a:r>
+            <a:r>
+              <a:rPr lang="de-DE" sz="2000" dirty="0" err="1" smtClean="0"/>
+              <a:t>Jenett</a:t>
+            </a:r>
+            <a:endParaRPr lang="de-DE" sz="2000" dirty="0"/>
+          </a:p>
+          <a:p>
+            <a:r>
+              <a:rPr lang="de-DE" dirty="0"/>
+              <a:t>Selbsteinschränkung der </a:t>
+            </a:r>
+            <a:r>
+              <a:rPr lang="de-DE" dirty="0" smtClean="0"/>
+              <a:t>Universitäten </a:t>
+            </a:r>
+            <a:br>
+              <a:rPr lang="de-DE" dirty="0" smtClean="0"/>
+            </a:br>
+            <a:r>
+              <a:rPr lang="de-DE" sz="2000" dirty="0" smtClean="0"/>
+              <a:t>von Nico Lehmann</a:t>
+            </a:r>
+            <a:endParaRPr lang="de-DE" sz="2000" dirty="0"/>
+          </a:p>
+          <a:p>
+            <a:r>
+              <a:rPr lang="de-DE" dirty="0"/>
+              <a:t>Finanzierung in der </a:t>
+            </a:r>
+            <a:r>
+              <a:rPr lang="de-DE" dirty="0" smtClean="0"/>
+              <a:t>Hochschulforschung </a:t>
+            </a:r>
+            <a:br>
+              <a:rPr lang="de-DE" dirty="0" smtClean="0"/>
+            </a:br>
+            <a:r>
+              <a:rPr lang="de-DE" sz="2000" dirty="0" smtClean="0"/>
+              <a:t>von </a:t>
+            </a:r>
+            <a:r>
+              <a:rPr lang="de-DE" sz="2000" dirty="0"/>
+              <a:t>Brian </a:t>
+            </a:r>
+            <a:r>
+              <a:rPr lang="de-DE" sz="2000" dirty="0" err="1"/>
+              <a:t>Tietzen</a:t>
+            </a:r>
+            <a:r>
+              <a:rPr lang="de-DE" sz="2000" dirty="0"/>
+              <a:t> </a:t>
+            </a:r>
+            <a:r>
+              <a:rPr lang="de-DE" sz="2000" dirty="0" smtClean="0"/>
+              <a:t> </a:t>
+            </a:r>
+            <a:endParaRPr lang="de-DE" sz="2000" dirty="0"/>
+          </a:p>
+          <a:p>
+            <a:r>
+              <a:rPr lang="de-DE" dirty="0"/>
+              <a:t>Gesellschaften für </a:t>
+            </a:r>
+            <a:r>
+              <a:rPr lang="de-DE" dirty="0" smtClean="0"/>
+              <a:t>Verantwortung </a:t>
+            </a:r>
+            <a:br>
+              <a:rPr lang="de-DE" dirty="0" smtClean="0"/>
+            </a:br>
+            <a:r>
+              <a:rPr lang="de-DE" sz="2000" dirty="0" smtClean="0"/>
+              <a:t>von </a:t>
+            </a:r>
+            <a:r>
+              <a:rPr lang="de-DE" sz="2000" dirty="0"/>
+              <a:t>Kristina </a:t>
+            </a:r>
+            <a:r>
+              <a:rPr lang="de-DE" sz="2000" dirty="0" err="1"/>
+              <a:t>Tschupin</a:t>
+            </a:r>
+            <a:endParaRPr lang="de-DE" sz="2000" dirty="0"/>
+          </a:p>
+          <a:p>
+            <a:endParaRPr lang="de-DE" dirty="0"/>
           </a:p>
         </p:txBody>
       </p:sp>
     </p:spTree>
     <p:extLst>
       <p:ext uri="{BB962C8B-B14F-4D97-AF65-F5344CB8AC3E}">
-        <p14:creationId xmlns:p14="http://schemas.microsoft.com/office/powerpoint/2010/main" val="3516609275"/>
+        <p14:creationId xmlns:p14="http://schemas.microsoft.com/office/powerpoint/2010/main" val="1987314701"/>
       </p:ext>
     </p:extLst>
   </p:cSld>
   <p:clrMapOvr>
-    <a:overrideClrMapping bg1="lt1" tx1="dk1" bg2="lt2" tx2="dk2" accent1="accent1" accent2="accent2" accent3="accent3" accent4="accent4" accent5="accent5" accent6="accent6" hlink="hlink" folHlink="folHlink"/>
+    <a:masterClrMapping/>
   </p:clrMapOvr>
   <p:timing>
     <p:tnLst>
@@ -16561,7 +16491,11 @@
           <a:bodyPr/>
           <a:lstStyle/>
           <a:p>
-            <a:endParaRPr lang="de-DE"/>
+            <a:r>
+              <a:rPr lang="de-DE" dirty="0" smtClean="0"/>
+              <a:t>TODO</a:t>
+            </a:r>
+            <a:endParaRPr lang="de-DE" dirty="0"/>
           </a:p>
         </p:txBody>
       </p:sp>
@@ -16975,62 +16909,17 @@
         </p:nvSpPr>
         <p:spPr/>
         <p:txBody>
-          <a:bodyPr>
-            <a:normAutofit fontScale="90000"/>
-          </a:bodyPr>
-          <a:lstStyle/>
-          <a:p>
-            <a:r>
-              <a:rPr lang="de-DE" dirty="0" smtClean="0"/>
-              <a:t>?</a:t>
-            </a:r>
-            <a:endParaRPr lang="de-DE" dirty="0"/>
-          </a:p>
-        </p:txBody>
-      </p:sp>
-      <p:sp>
-        <p:nvSpPr>
-          <p:cNvPr id="3" name="Inhaltsplatzhalter 2"/>
-          <p:cNvSpPr>
-            <a:spLocks noGrp="1"/>
-          </p:cNvSpPr>
-          <p:nvPr>
-            <p:ph idx="1"/>
-          </p:nvPr>
-        </p:nvSpPr>
-        <p:spPr>
-          <a:xfrm>
-            <a:off x="327545" y="980728"/>
-            <a:ext cx="8359255" cy="2520280"/>
-          </a:xfrm>
-        </p:spPr>
-        <p:txBody>
-          <a:bodyPr>
-            <a:noAutofit/>
-          </a:bodyPr>
-          <a:lstStyle/>
-          <a:p>
-            <a:r>
-              <a:rPr lang="de-DE" dirty="0" smtClean="0"/>
-              <a:t>Elfenbeinturm </a:t>
-            </a:r>
-            <a:r>
-              <a:rPr lang="de-DE" dirty="0">
-                <a:sym typeface="Wingdings" pitchFamily="2" charset="2"/>
-              </a:rPr>
-              <a:t>&lt;-&gt;</a:t>
-            </a:r>
-            <a:r>
-              <a:rPr lang="de-DE" dirty="0"/>
-              <a:t> Wünsch dir was</a:t>
-            </a:r>
+          <a:bodyPr/>
+          <a:lstStyle/>
+          <a:p>
+            <a:endParaRPr lang="de-DE"/>
           </a:p>
         </p:txBody>
       </p:sp>
     </p:spTree>
     <p:extLst>
       <p:ext uri="{BB962C8B-B14F-4D97-AF65-F5344CB8AC3E}">
-        <p14:creationId xmlns:p14="http://schemas.microsoft.com/office/powerpoint/2010/main" val="1213092103"/>
+        <p14:creationId xmlns:p14="http://schemas.microsoft.com/office/powerpoint/2010/main" val="477252"/>
       </p:ext>
     </p:extLst>
   </p:cSld>
@@ -17076,62 +16965,6 @@
         </p:nvSpPr>
         <p:spPr/>
         <p:txBody>
-          <a:bodyPr/>
-          <a:lstStyle/>
-          <a:p>
-            <a:endParaRPr lang="de-DE"/>
-          </a:p>
-        </p:txBody>
-      </p:sp>
-    </p:spTree>
-    <p:extLst>
-      <p:ext uri="{BB962C8B-B14F-4D97-AF65-F5344CB8AC3E}">
-        <p14:creationId xmlns:p14="http://schemas.microsoft.com/office/powerpoint/2010/main" val="477252"/>
-      </p:ext>
-    </p:extLst>
-  </p:cSld>
-  <p:clrMapOvr>
-    <a:masterClrMapping/>
-  </p:clrMapOvr>
-  <p:timing>
-    <p:tnLst>
-      <p:par>
-        <p:cTn id="1" dur="indefinite" restart="never" nodeType="tmRoot"/>
-      </p:par>
-    </p:tnLst>
-  </p:timing>
-</p:sld>
-</file>
-
-<file path=ppt/slides/slide34.xml><?xml version="1.0" encoding="utf-8"?>
-<p:sld xmlns:a="http://schemas.openxmlformats.org/drawingml/2006/main" xmlns:r="http://schemas.openxmlformats.org/officeDocument/2006/relationships" xmlns:p="http://schemas.openxmlformats.org/presentationml/2006/main">
-  <p:cSld>
-    <p:spTree>
-      <p:nvGrpSpPr>
-        <p:cNvPr id="1" name=""/>
-        <p:cNvGrpSpPr/>
-        <p:nvPr/>
-      </p:nvGrpSpPr>
-      <p:grpSpPr>
-        <a:xfrm>
-          <a:off x="0" y="0"/>
-          <a:ext cx="0" cy="0"/>
-          <a:chOff x="0" y="0"/>
-          <a:chExt cx="0" cy="0"/>
-        </a:xfrm>
-      </p:grpSpPr>
-      <p:sp>
-        <p:nvSpPr>
-          <p:cNvPr id="2" name="Titel 1"/>
-          <p:cNvSpPr>
-            <a:spLocks noGrp="1"/>
-          </p:cNvSpPr>
-          <p:nvPr>
-            <p:ph type="title"/>
-          </p:nvPr>
-        </p:nvSpPr>
-        <p:spPr/>
-        <p:txBody>
           <a:bodyPr>
             <a:noAutofit/>
           </a:bodyPr>
@@ -17359,7 +17192,7 @@
 </p:sld>
 </file>
 
-<file path=ppt/slides/slide35.xml><?xml version="1.0" encoding="utf-8"?>
+<file path=ppt/slides/slide34.xml><?xml version="1.0" encoding="utf-8"?>
 <p:sld xmlns:a="http://schemas.openxmlformats.org/drawingml/2006/main" xmlns:r="http://schemas.openxmlformats.org/officeDocument/2006/relationships" xmlns:p="http://schemas.openxmlformats.org/presentationml/2006/main">
   <p:cSld>
     <p:spTree>
@@ -17621,7 +17454,7 @@
 </p:sld>
 </file>
 
-<file path=ppt/slides/slide36.xml><?xml version="1.0" encoding="utf-8"?>
+<file path=ppt/slides/slide35.xml><?xml version="1.0" encoding="utf-8"?>
 <p:sld xmlns:a="http://schemas.openxmlformats.org/drawingml/2006/main" xmlns:r="http://schemas.openxmlformats.org/officeDocument/2006/relationships" xmlns:p="http://schemas.openxmlformats.org/presentationml/2006/main">
   <p:cSld>
     <p:spTree>
@@ -17837,7 +17670,7 @@
 </p:sld>
 </file>
 
-<file path=ppt/slides/slide37.xml><?xml version="1.0" encoding="utf-8"?>
+<file path=ppt/slides/slide36.xml><?xml version="1.0" encoding="utf-8"?>
 <p:sld xmlns:a="http://schemas.openxmlformats.org/drawingml/2006/main" xmlns:r="http://schemas.openxmlformats.org/officeDocument/2006/relationships" xmlns:p="http://schemas.openxmlformats.org/presentationml/2006/main">
   <p:cSld>
     <p:spTree>
@@ -18035,7 +17868,7 @@
 </p:sld>
 </file>
 
-<file path=ppt/slides/slide38.xml><?xml version="1.0" encoding="utf-8"?>
+<file path=ppt/slides/slide37.xml><?xml version="1.0" encoding="utf-8"?>
 <p:sld xmlns:a="http://schemas.openxmlformats.org/drawingml/2006/main" xmlns:r="http://schemas.openxmlformats.org/officeDocument/2006/relationships" xmlns:p="http://schemas.openxmlformats.org/presentationml/2006/main">
   <p:cSld>
     <p:spTree>
@@ -18230,7 +18063,7 @@
 </p:sld>
 </file>
 
-<file path=ppt/slides/slide39.xml><?xml version="1.0" encoding="utf-8"?>
+<file path=ppt/slides/slide38.xml><?xml version="1.0" encoding="utf-8"?>
 <p:sld xmlns:a="http://schemas.openxmlformats.org/drawingml/2006/main" xmlns:r="http://schemas.openxmlformats.org/officeDocument/2006/relationships" xmlns:p="http://schemas.openxmlformats.org/presentationml/2006/main">
   <p:cSld>
     <p:spTree>
@@ -18417,6 +18250,230 @@
     <p:extLst>
       <p:ext uri="{BB962C8B-B14F-4D97-AF65-F5344CB8AC3E}">
         <p14:creationId xmlns:p14="http://schemas.microsoft.com/office/powerpoint/2010/main" val="3851069901"/>
+      </p:ext>
+    </p:extLst>
+  </p:cSld>
+  <p:clrMapOvr>
+    <a:masterClrMapping/>
+  </p:clrMapOvr>
+  <p:timing>
+    <p:tnLst>
+      <p:par>
+        <p:cTn id="1" dur="indefinite" restart="never" nodeType="tmRoot"/>
+      </p:par>
+    </p:tnLst>
+  </p:timing>
+</p:sld>
+</file>
+
+<file path=ppt/slides/slide39.xml><?xml version="1.0" encoding="utf-8"?>
+<p:sld xmlns:a="http://schemas.openxmlformats.org/drawingml/2006/main" xmlns:r="http://schemas.openxmlformats.org/officeDocument/2006/relationships" xmlns:p="http://schemas.openxmlformats.org/presentationml/2006/main">
+  <p:cSld>
+    <p:spTree>
+      <p:nvGrpSpPr>
+        <p:cNvPr id="1" name=""/>
+        <p:cNvGrpSpPr/>
+        <p:nvPr/>
+      </p:nvGrpSpPr>
+      <p:grpSpPr>
+        <a:xfrm>
+          <a:off x="0" y="0"/>
+          <a:ext cx="0" cy="0"/>
+          <a:chOff x="0" y="0"/>
+          <a:chExt cx="0" cy="0"/>
+        </a:xfrm>
+      </p:grpSpPr>
+      <p:pic>
+        <p:nvPicPr>
+          <p:cNvPr id="7" name="Grafik 6"/>
+          <p:cNvPicPr/>
+          <p:nvPr/>
+        </p:nvPicPr>
+        <p:blipFill>
+          <a:blip r:embed="rId3"/>
+          <a:stretch>
+            <a:fillRect/>
+          </a:stretch>
+        </p:blipFill>
+        <p:spPr>
+          <a:xfrm>
+            <a:off x="1944995" y="4756608"/>
+            <a:ext cx="5112000" cy="1264680"/>
+          </a:xfrm>
+          <a:prstGeom prst="rect">
+            <a:avLst/>
+          </a:prstGeom>
+        </p:spPr>
+      </p:pic>
+      <p:sp>
+        <p:nvSpPr>
+          <p:cNvPr id="2" name="Titel 1"/>
+          <p:cNvSpPr>
+            <a:spLocks noGrp="1"/>
+          </p:cNvSpPr>
+          <p:nvPr>
+            <p:ph type="title"/>
+          </p:nvPr>
+        </p:nvSpPr>
+        <p:spPr/>
+        <p:txBody>
+          <a:bodyPr>
+            <a:normAutofit fontScale="90000"/>
+          </a:bodyPr>
+          <a:lstStyle/>
+          <a:p>
+            <a:r>
+              <a:rPr lang="de-DE" dirty="0" err="1" smtClean="0"/>
+              <a:t>FIfF</a:t>
+            </a:r>
+            <a:r>
+              <a:rPr lang="de-DE" dirty="0" smtClean="0"/>
+              <a:t> (1/2)</a:t>
+            </a:r>
+            <a:endParaRPr lang="de-DE" dirty="0"/>
+          </a:p>
+        </p:txBody>
+      </p:sp>
+      <p:sp>
+        <p:nvSpPr>
+          <p:cNvPr id="3" name="Inhaltsplatzhalter 2"/>
+          <p:cNvSpPr>
+            <a:spLocks noGrp="1"/>
+          </p:cNvSpPr>
+          <p:nvPr>
+            <p:ph idx="1"/>
+          </p:nvPr>
+        </p:nvSpPr>
+        <p:spPr>
+          <a:xfrm>
+            <a:off x="327545" y="980728"/>
+            <a:ext cx="8359255" cy="3456384"/>
+          </a:xfrm>
+        </p:spPr>
+        <p:txBody>
+          <a:bodyPr>
+            <a:noAutofit/>
+          </a:bodyPr>
+          <a:lstStyle/>
+          <a:p>
+            <a:r>
+              <a:rPr lang="de-DE" dirty="0"/>
+              <a:t>Forum </a:t>
+            </a:r>
+            <a:r>
+              <a:rPr lang="de-DE" dirty="0" err="1"/>
+              <a:t>InformatikerInnen</a:t>
+            </a:r>
+            <a:r>
+              <a:rPr lang="de-DE" dirty="0"/>
+              <a:t> für Frieden und </a:t>
+            </a:r>
+            <a:r>
+              <a:rPr lang="de-DE" dirty="0" smtClean="0"/>
+              <a:t>gesellschaftliche </a:t>
+            </a:r>
+            <a:r>
+              <a:rPr lang="de-DE" dirty="0"/>
+              <a:t>Verantwortung e.V. </a:t>
+            </a:r>
+          </a:p>
+          <a:p>
+            <a:r>
+              <a:rPr lang="de-DE" dirty="0"/>
+              <a:t>1984: Gründung als </a:t>
+            </a:r>
+            <a:r>
+              <a:rPr lang="de-DE" dirty="0" smtClean="0"/>
+              <a:t>Verein</a:t>
+            </a:r>
+          </a:p>
+        </p:txBody>
+      </p:sp>
+      <p:sp>
+        <p:nvSpPr>
+          <p:cNvPr id="9" name="Rechteck 8"/>
+          <p:cNvSpPr/>
+          <p:nvPr/>
+        </p:nvSpPr>
+        <p:spPr>
+          <a:xfrm>
+            <a:off x="327545" y="4653136"/>
+            <a:ext cx="8346901" cy="1434578"/>
+          </a:xfrm>
+          <a:prstGeom prst="rect">
+            <a:avLst/>
+          </a:prstGeom>
+          <a:noFill/>
+          <a:ln>
+            <a:solidFill>
+              <a:schemeClr val="accent1">
+                <a:lumMod val="50000"/>
+              </a:schemeClr>
+            </a:solidFill>
+          </a:ln>
+        </p:spPr>
+        <p:style>
+          <a:lnRef idx="2">
+            <a:schemeClr val="accent1"/>
+          </a:lnRef>
+          <a:fillRef idx="1">
+            <a:schemeClr val="lt1"/>
+          </a:fillRef>
+          <a:effectRef idx="0">
+            <a:schemeClr val="accent1"/>
+          </a:effectRef>
+          <a:fontRef idx="minor">
+            <a:schemeClr val="dk1"/>
+          </a:fontRef>
+        </p:style>
+        <p:txBody>
+          <a:bodyPr rtlCol="0" anchor="ctr"/>
+          <a:lstStyle/>
+          <a:p>
+            <a:pPr algn="ctr"/>
+            <a:endParaRPr lang="de-DE"/>
+          </a:p>
+        </p:txBody>
+      </p:sp>
+      <p:cxnSp>
+        <p:nvCxnSpPr>
+          <p:cNvPr id="10" name="Gerade Verbindung 9"/>
+          <p:cNvCxnSpPr/>
+          <p:nvPr/>
+        </p:nvCxnSpPr>
+        <p:spPr>
+          <a:xfrm>
+            <a:off x="327545" y="4365104"/>
+            <a:ext cx="8346901" cy="0"/>
+          </a:xfrm>
+          <a:prstGeom prst="line">
+            <a:avLst/>
+          </a:prstGeom>
+          <a:ln w="38100">
+            <a:solidFill>
+              <a:schemeClr val="tx1"/>
+            </a:solidFill>
+          </a:ln>
+        </p:spPr>
+        <p:style>
+          <a:lnRef idx="1">
+            <a:schemeClr val="accent1"/>
+          </a:lnRef>
+          <a:fillRef idx="0">
+            <a:schemeClr val="accent1"/>
+          </a:fillRef>
+          <a:effectRef idx="0">
+            <a:schemeClr val="accent1"/>
+          </a:effectRef>
+          <a:fontRef idx="minor">
+            <a:schemeClr val="tx1"/>
+          </a:fontRef>
+        </p:style>
+      </p:cxnSp>
+    </p:spTree>
+    <p:extLst>
+      <p:ext uri="{BB962C8B-B14F-4D97-AF65-F5344CB8AC3E}">
+        <p14:creationId xmlns:p14="http://schemas.microsoft.com/office/powerpoint/2010/main" val="1888914989"/>
       </p:ext>
     </p:extLst>
   </p:cSld>
@@ -18853,35 +18910,87 @@
           <a:lstStyle/>
           <a:p>
             <a:r>
-              <a:rPr lang="de-DE" dirty="0"/>
-              <a:t>Forum </a:t>
-            </a:r>
-            <a:r>
-              <a:rPr lang="de-DE" dirty="0" err="1"/>
-              <a:t>InformatikerInnen</a:t>
-            </a:r>
-            <a:r>
-              <a:rPr lang="de-DE" dirty="0"/>
-              <a:t> für Frieden und </a:t>
-            </a:r>
-            <a:r>
-              <a:rPr lang="de-DE" dirty="0" smtClean="0"/>
-              <a:t>gesellschaftliche </a:t>
-            </a:r>
-            <a:r>
-              <a:rPr lang="de-DE" dirty="0"/>
-              <a:t>Verantwortung e.V. </a:t>
-            </a:r>
-          </a:p>
-          <a:p>
-            <a:r>
-              <a:rPr lang="de-DE" dirty="0"/>
-              <a:t>1984: Gründung als </a:t>
-            </a:r>
-            <a:r>
-              <a:rPr lang="de-DE" dirty="0" smtClean="0"/>
-              <a:t>Verein</a:t>
-            </a:r>
+              <a:rPr lang="de-DE" sz="2800" dirty="0" smtClean="0"/>
+              <a:t>Kernthemen</a:t>
+            </a:r>
+            <a:r>
+              <a:rPr lang="de-DE" sz="2400" dirty="0" smtClean="0"/>
+              <a:t>:</a:t>
+            </a:r>
+          </a:p>
+          <a:p>
+            <a:pPr lvl="1"/>
+            <a:r>
+              <a:rPr lang="de-DE" sz="2000" dirty="0" smtClean="0"/>
+              <a:t>Datenschutz</a:t>
+            </a:r>
+          </a:p>
+          <a:p>
+            <a:pPr lvl="1"/>
+            <a:r>
+              <a:rPr lang="de-DE" sz="2000" dirty="0"/>
+              <a:t>Einsatz von IT zur Kontrolle und </a:t>
+            </a:r>
+            <a:r>
+              <a:rPr lang="de-DE" sz="2000" dirty="0" smtClean="0"/>
+              <a:t>Überwachung</a:t>
+            </a:r>
+          </a:p>
+          <a:p>
+            <a:pPr lvl="1"/>
+            <a:r>
+              <a:rPr lang="de-DE" sz="2000" dirty="0"/>
+              <a:t>Abrüstung der Informatik in </a:t>
+            </a:r>
+            <a:r>
+              <a:rPr lang="de-DE" sz="2000" dirty="0" err="1"/>
+              <a:t>milit</a:t>
+            </a:r>
+            <a:r>
+              <a:rPr lang="de-DE" sz="2000" dirty="0"/>
+              <a:t>. </a:t>
+            </a:r>
+            <a:r>
+              <a:rPr lang="de-DE" sz="2000" dirty="0" smtClean="0"/>
+              <a:t>Anwendungen</a:t>
+            </a:r>
+          </a:p>
+          <a:p>
+            <a:pPr lvl="1"/>
+            <a:r>
+              <a:rPr lang="de-DE" sz="2000" dirty="0"/>
+              <a:t>Menschengerechte Gestaltung von </a:t>
+            </a:r>
+            <a:r>
+              <a:rPr lang="de-DE" sz="2000" dirty="0" smtClean="0"/>
+              <a:t>Arbeitsprozessen</a:t>
+            </a:r>
+          </a:p>
+          <a:p>
+            <a:pPr lvl="1"/>
+            <a:r>
+              <a:rPr lang="de-DE" sz="2000" dirty="0"/>
+              <a:t>Diskriminierung von Menschen mit Behinderung sowie Frauen in und durch </a:t>
+            </a:r>
+            <a:r>
+              <a:rPr lang="de-DE" sz="2000" dirty="0" smtClean="0"/>
+              <a:t>IT</a:t>
+            </a:r>
+          </a:p>
+          <a:p>
+            <a:r>
+              <a:rPr lang="de-DE" sz="2800" dirty="0"/>
+              <a:t>Verleiht</a:t>
+            </a:r>
+            <a:r>
+              <a:rPr lang="de-DE" sz="2400" dirty="0"/>
+              <a:t> </a:t>
+            </a:r>
+            <a:r>
+              <a:rPr lang="de-DE" sz="2400" dirty="0" smtClean="0"/>
+              <a:t>Studienpreis</a:t>
+            </a:r>
+            <a:endParaRPr lang="de-DE" sz="2400" dirty="0"/>
           </a:p>
         </p:txBody>
       </p:sp>
@@ -18969,7 +19078,7 @@
     </p:spTree>
     <p:extLst>
       <p:ext uri="{BB962C8B-B14F-4D97-AF65-F5344CB8AC3E}">
-        <p14:creationId xmlns:p14="http://schemas.microsoft.com/office/powerpoint/2010/main" val="1888914989"/>
+        <p14:creationId xmlns:p14="http://schemas.microsoft.com/office/powerpoint/2010/main" val="354106884"/>
       </p:ext>
     </p:extLst>
   </p:cSld>
@@ -19043,12 +19152,12 @@
           <a:lstStyle/>
           <a:p>
             <a:r>
-              <a:rPr lang="de-DE" dirty="0" err="1" smtClean="0"/>
-              <a:t>FIfF</a:t>
+              <a:rPr lang="de-DE" dirty="0"/>
+              <a:t>Was kann ich tun</a:t>
             </a:r>
             <a:r>
               <a:rPr lang="de-DE" dirty="0" smtClean="0"/>
-              <a:t> (1/2)</a:t>
+              <a:t>?</a:t>
             </a:r>
             <a:endParaRPr lang="de-DE" dirty="0"/>
           </a:p>
@@ -19077,85 +19186,82 @@
           <a:lstStyle/>
           <a:p>
             <a:r>
+              <a:rPr lang="de-DE" sz="2800" dirty="0"/>
+              <a:t>Organisiert Vorträge und </a:t>
+            </a:r>
+            <a:r>
               <a:rPr lang="de-DE" sz="2800" dirty="0" smtClean="0"/>
-              <a:t>Kernthemen</a:t>
-            </a:r>
-            <a:r>
-              <a:rPr lang="de-DE" sz="2400" dirty="0" smtClean="0"/>
-              <a:t>:</a:t>
+              <a:t>Tagungen</a:t>
+            </a:r>
+          </a:p>
+          <a:p>
+            <a:r>
+              <a:rPr lang="de-DE" sz="2800" dirty="0"/>
+              <a:t>Veröffentlicht </a:t>
+            </a:r>
+            <a:r>
+              <a:rPr lang="de-DE" sz="2800" dirty="0" smtClean="0"/>
+              <a:t>Publikationen</a:t>
             </a:r>
           </a:p>
           <a:p>
             <a:pPr lvl="1"/>
             <a:r>
+              <a:rPr lang="de-DE" sz="2000" dirty="0"/>
+              <a:t>Vierteljährig </a:t>
+            </a:r>
+            <a:r>
+              <a:rPr lang="de-DE" sz="2000" dirty="0" err="1"/>
+              <a:t>FifF</a:t>
+            </a:r>
+            <a:r>
+              <a:rPr lang="de-DE" sz="2000" dirty="0"/>
+              <a:t> </a:t>
+            </a:r>
+            <a:r>
               <a:rPr lang="de-DE" sz="2000" dirty="0" smtClean="0"/>
-              <a:t>Datenschutz</a:t>
+              <a:t>Kommunikation</a:t>
             </a:r>
           </a:p>
           <a:p>
             <a:pPr lvl="1"/>
             <a:r>
               <a:rPr lang="de-DE" sz="2000" dirty="0"/>
-              <a:t>Einsatz von IT zur Kontrolle und </a:t>
+              <a:t>Broschüren </a:t>
+            </a:r>
+            <a:endParaRPr lang="de-DE" sz="2000" dirty="0" smtClean="0"/>
+          </a:p>
+          <a:p>
+            <a:pPr lvl="1"/>
+            <a:r>
+              <a:rPr lang="de-DE" sz="2000" dirty="0"/>
+              <a:t>Bücher z.B. </a:t>
+            </a:r>
+            <a:r>
+              <a:rPr lang="de-DE" sz="2000" dirty="0" err="1"/>
+              <a:t>Kreowski</a:t>
+            </a:r>
+            <a:r>
+              <a:rPr lang="de-DE" sz="2000" dirty="0"/>
+              <a:t> „Informatik und Gesellschaft. Verflechtung und </a:t>
+            </a:r>
+            <a:r>
+              <a:rPr lang="de-DE" sz="2000" dirty="0" err="1" smtClean="0"/>
+              <a:t>Perpektiven</a:t>
             </a:r>
             <a:r>
               <a:rPr lang="de-DE" sz="2000" dirty="0" smtClean="0"/>
-              <a:t>Überwachung</a:t>
-            </a:r>
-          </a:p>
-          <a:p>
-            <a:pPr lvl="1"/>
-            <a:r>
-              <a:rPr lang="de-DE" sz="2000" dirty="0"/>
-              <a:t>Abrüstung der Informatik in </a:t>
-            </a:r>
-            <a:r>
-              <a:rPr lang="de-DE" sz="2000" dirty="0" err="1"/>
-              <a:t>milit</a:t>
-            </a:r>
-            <a:r>
-              <a:rPr lang="de-DE" sz="2000" dirty="0"/>
-              <a:t>. </a:t>
-            </a:r>
-            <a:r>
-              <a:rPr lang="de-DE" sz="2000" dirty="0" smtClean="0"/>
-              <a:t>Anwendungen</a:t>
-            </a:r>
-          </a:p>
-          <a:p>
-            <a:pPr lvl="1"/>
-            <a:r>
-              <a:rPr lang="de-DE" sz="2000" dirty="0"/>
-              <a:t>Menschengerechte Gestaltung von </a:t>
-            </a:r>
-            <a:r>
-              <a:rPr lang="de-DE" sz="2000" dirty="0" smtClean="0"/>
-              <a:t>Arbeitsprozessen</a:t>
-            </a:r>
-          </a:p>
-          <a:p>
-            <a:pPr lvl="1"/>
-            <a:r>
-              <a:rPr lang="de-DE" sz="2000" dirty="0"/>
-              <a:t>Diskriminierung von Menschen mit Behinderung sowie Frauen in und durch </a:t>
-            </a:r>
-            <a:r>
-              <a:rPr lang="de-DE" sz="2000" dirty="0" smtClean="0"/>
-              <a:t>IT</a:t>
+              <a:t>“</a:t>
             </a:r>
           </a:p>
           <a:p>
             <a:r>
               <a:rPr lang="de-DE" sz="2800" dirty="0"/>
-              <a:t>Verleiht</a:t>
-            </a:r>
-            <a:r>
-              <a:rPr lang="de-DE" sz="2400" dirty="0"/>
-              <a:t> </a:t>
-            </a:r>
-            <a:r>
-              <a:rPr lang="de-DE" sz="2400" dirty="0" smtClean="0"/>
-              <a:t>Studienpreis</a:t>
+              <a:t>Mitgliedschaft oder </a:t>
+            </a:r>
+            <a:r>
+              <a:rPr lang="de-DE" sz="2800" dirty="0" smtClean="0"/>
+              <a:t>Spenden</a:t>
             </a:r>
             <a:endParaRPr lang="de-DE" sz="2400" dirty="0"/>
           </a:p>
@@ -19245,7 +19351,7 @@
     </p:spTree>
     <p:extLst>
       <p:ext uri="{BB962C8B-B14F-4D97-AF65-F5344CB8AC3E}">
-        <p14:creationId xmlns:p14="http://schemas.microsoft.com/office/powerpoint/2010/main" val="354106884"/>
+        <p14:creationId xmlns:p14="http://schemas.microsoft.com/office/powerpoint/2010/main" val="4146798196"/>
       </p:ext>
     </p:extLst>
   </p:cSld>
@@ -19320,279 +19426,6 @@
           <a:p>
             <a:r>
               <a:rPr lang="de-DE" dirty="0"/>
-              <a:t>Was kann ich tun</a:t>
-            </a:r>
-            <a:r>
-              <a:rPr lang="de-DE" dirty="0" smtClean="0"/>
-              <a:t>?</a:t>
-            </a:r>
-            <a:endParaRPr lang="de-DE" dirty="0"/>
-          </a:p>
-        </p:txBody>
-      </p:sp>
-      <p:sp>
-        <p:nvSpPr>
-          <p:cNvPr id="3" name="Inhaltsplatzhalter 2"/>
-          <p:cNvSpPr>
-            <a:spLocks noGrp="1"/>
-          </p:cNvSpPr>
-          <p:nvPr>
-            <p:ph idx="1"/>
-          </p:nvPr>
-        </p:nvSpPr>
-        <p:spPr>
-          <a:xfrm>
-            <a:off x="327545" y="980728"/>
-            <a:ext cx="8359255" cy="3456384"/>
-          </a:xfrm>
-        </p:spPr>
-        <p:txBody>
-          <a:bodyPr>
-            <a:noAutofit/>
-          </a:bodyPr>
-          <a:lstStyle/>
-          <a:p>
-            <a:r>
-              <a:rPr lang="de-DE" sz="2800" dirty="0"/>
-              <a:t>Organisiert Vorträge und </a:t>
-            </a:r>
-            <a:r>
-              <a:rPr lang="de-DE" sz="2800" dirty="0" smtClean="0"/>
-              <a:t>Tagungen</a:t>
-            </a:r>
-          </a:p>
-          <a:p>
-            <a:r>
-              <a:rPr lang="de-DE" sz="2800" dirty="0"/>
-              <a:t>Veröffentlicht </a:t>
-            </a:r>
-            <a:r>
-              <a:rPr lang="de-DE" sz="2800" dirty="0" smtClean="0"/>
-              <a:t>Publikationen</a:t>
-            </a:r>
-          </a:p>
-          <a:p>
-            <a:pPr lvl="1"/>
-            <a:r>
-              <a:rPr lang="de-DE" sz="2000" dirty="0"/>
-              <a:t>Vierteljährig </a:t>
-            </a:r>
-            <a:r>
-              <a:rPr lang="de-DE" sz="2000" dirty="0" err="1"/>
-              <a:t>FifF</a:t>
-            </a:r>
-            <a:r>
-              <a:rPr lang="de-DE" sz="2000" dirty="0"/>
-              <a:t> </a:t>
-            </a:r>
-            <a:r>
-              <a:rPr lang="de-DE" sz="2000" dirty="0" smtClean="0"/>
-              <a:t>Kommunikation</a:t>
-            </a:r>
-          </a:p>
-          <a:p>
-            <a:pPr lvl="1"/>
-            <a:r>
-              <a:rPr lang="de-DE" sz="2000" dirty="0"/>
-              <a:t>Broschüren </a:t>
-            </a:r>
-            <a:endParaRPr lang="de-DE" sz="2000" dirty="0" smtClean="0"/>
-          </a:p>
-          <a:p>
-            <a:pPr lvl="1"/>
-            <a:r>
-              <a:rPr lang="de-DE" sz="2000" dirty="0"/>
-              <a:t>Bücher z.B. </a:t>
-            </a:r>
-            <a:r>
-              <a:rPr lang="de-DE" sz="2000" dirty="0" err="1"/>
-              <a:t>Kreowski</a:t>
-            </a:r>
-            <a:r>
-              <a:rPr lang="de-DE" sz="2000" dirty="0"/>
-              <a:t> „Informatik und Gesellschaft. Verflechtung und </a:t>
-            </a:r>
-            <a:r>
-              <a:rPr lang="de-DE" sz="2000" dirty="0" err="1" smtClean="0"/>
-              <a:t>Perpektiven</a:t>
-            </a:r>
-            <a:r>
-              <a:rPr lang="de-DE" sz="2000" dirty="0" smtClean="0"/>
-              <a:t>“</a:t>
-            </a:r>
-          </a:p>
-          <a:p>
-            <a:r>
-              <a:rPr lang="de-DE" sz="2800" dirty="0"/>
-              <a:t>Mitgliedschaft oder </a:t>
-            </a:r>
-            <a:r>
-              <a:rPr lang="de-DE" sz="2800" dirty="0" smtClean="0"/>
-              <a:t>Spenden</a:t>
-            </a:r>
-            <a:endParaRPr lang="de-DE" sz="2400" dirty="0"/>
-          </a:p>
-        </p:txBody>
-      </p:sp>
-      <p:sp>
-        <p:nvSpPr>
-          <p:cNvPr id="9" name="Rechteck 8"/>
-          <p:cNvSpPr/>
-          <p:nvPr/>
-        </p:nvSpPr>
-        <p:spPr>
-          <a:xfrm>
-            <a:off x="327545" y="4653136"/>
-            <a:ext cx="8346901" cy="1434578"/>
-          </a:xfrm>
-          <a:prstGeom prst="rect">
-            <a:avLst/>
-          </a:prstGeom>
-          <a:noFill/>
-          <a:ln>
-            <a:solidFill>
-              <a:schemeClr val="accent1">
-                <a:lumMod val="50000"/>
-              </a:schemeClr>
-            </a:solidFill>
-          </a:ln>
-        </p:spPr>
-        <p:style>
-          <a:lnRef idx="2">
-            <a:schemeClr val="accent1"/>
-          </a:lnRef>
-          <a:fillRef idx="1">
-            <a:schemeClr val="lt1"/>
-          </a:fillRef>
-          <a:effectRef idx="0">
-            <a:schemeClr val="accent1"/>
-          </a:effectRef>
-          <a:fontRef idx="minor">
-            <a:schemeClr val="dk1"/>
-          </a:fontRef>
-        </p:style>
-        <p:txBody>
-          <a:bodyPr rtlCol="0" anchor="ctr"/>
-          <a:lstStyle/>
-          <a:p>
-            <a:pPr algn="ctr"/>
-            <a:endParaRPr lang="de-DE"/>
-          </a:p>
-        </p:txBody>
-      </p:sp>
-      <p:cxnSp>
-        <p:nvCxnSpPr>
-          <p:cNvPr id="10" name="Gerade Verbindung 9"/>
-          <p:cNvCxnSpPr/>
-          <p:nvPr/>
-        </p:nvCxnSpPr>
-        <p:spPr>
-          <a:xfrm>
-            <a:off x="327545" y="4365104"/>
-            <a:ext cx="8346901" cy="0"/>
-          </a:xfrm>
-          <a:prstGeom prst="line">
-            <a:avLst/>
-          </a:prstGeom>
-          <a:ln w="38100">
-            <a:solidFill>
-              <a:schemeClr val="tx1"/>
-            </a:solidFill>
-          </a:ln>
-        </p:spPr>
-        <p:style>
-          <a:lnRef idx="1">
-            <a:schemeClr val="accent1"/>
-          </a:lnRef>
-          <a:fillRef idx="0">
-            <a:schemeClr val="accent1"/>
-          </a:fillRef>
-          <a:effectRef idx="0">
-            <a:schemeClr val="accent1"/>
-          </a:effectRef>
-          <a:fontRef idx="minor">
-            <a:schemeClr val="tx1"/>
-          </a:fontRef>
-        </p:style>
-      </p:cxnSp>
-    </p:spTree>
-    <p:extLst>
-      <p:ext uri="{BB962C8B-B14F-4D97-AF65-F5344CB8AC3E}">
-        <p14:creationId xmlns:p14="http://schemas.microsoft.com/office/powerpoint/2010/main" val="4146798196"/>
-      </p:ext>
-    </p:extLst>
-  </p:cSld>
-  <p:clrMapOvr>
-    <a:masterClrMapping/>
-  </p:clrMapOvr>
-  <p:timing>
-    <p:tnLst>
-      <p:par>
-        <p:cTn id="1" dur="indefinite" restart="never" nodeType="tmRoot"/>
-      </p:par>
-    </p:tnLst>
-  </p:timing>
-</p:sld>
-</file>
-
-<file path=ppt/slides/slide43.xml><?xml version="1.0" encoding="utf-8"?>
-<p:sld xmlns:a="http://schemas.openxmlformats.org/drawingml/2006/main" xmlns:r="http://schemas.openxmlformats.org/officeDocument/2006/relationships" xmlns:p="http://schemas.openxmlformats.org/presentationml/2006/main">
-  <p:cSld>
-    <p:spTree>
-      <p:nvGrpSpPr>
-        <p:cNvPr id="1" name=""/>
-        <p:cNvGrpSpPr/>
-        <p:nvPr/>
-      </p:nvGrpSpPr>
-      <p:grpSpPr>
-        <a:xfrm>
-          <a:off x="0" y="0"/>
-          <a:ext cx="0" cy="0"/>
-          <a:chOff x="0" y="0"/>
-          <a:chExt cx="0" cy="0"/>
-        </a:xfrm>
-      </p:grpSpPr>
-      <p:pic>
-        <p:nvPicPr>
-          <p:cNvPr id="7" name="Grafik 6"/>
-          <p:cNvPicPr/>
-          <p:nvPr/>
-        </p:nvPicPr>
-        <p:blipFill>
-          <a:blip r:embed="rId3"/>
-          <a:stretch>
-            <a:fillRect/>
-          </a:stretch>
-        </p:blipFill>
-        <p:spPr>
-          <a:xfrm>
-            <a:off x="1944995" y="4756608"/>
-            <a:ext cx="5112000" cy="1264680"/>
-          </a:xfrm>
-          <a:prstGeom prst="rect">
-            <a:avLst/>
-          </a:prstGeom>
-        </p:spPr>
-      </p:pic>
-      <p:sp>
-        <p:nvSpPr>
-          <p:cNvPr id="2" name="Titel 1"/>
-          <p:cNvSpPr>
-            <a:spLocks noGrp="1"/>
-          </p:cNvSpPr>
-          <p:nvPr>
-            <p:ph type="title"/>
-          </p:nvPr>
-        </p:nvSpPr>
-        <p:spPr/>
-        <p:txBody>
-          <a:bodyPr>
-            <a:normAutofit fontScale="90000"/>
-          </a:bodyPr>
-          <a:lstStyle/>
-          <a:p>
-            <a:r>
-              <a:rPr lang="de-DE" dirty="0"/>
               <a:t>Wie umgehen mit Verantwortung</a:t>
             </a:r>
             <a:r>
@@ -19792,7 +19625,7 @@
 </p:sld>
 </file>
 
-<file path=ppt/slides/slide44.xml><?xml version="1.0" encoding="utf-8"?>
+<file path=ppt/slides/slide43.xml><?xml version="1.0" encoding="utf-8"?>
 <p:sld xmlns:a="http://schemas.openxmlformats.org/drawingml/2006/main" xmlns:r="http://schemas.openxmlformats.org/officeDocument/2006/relationships" xmlns:p="http://schemas.openxmlformats.org/presentationml/2006/main">
   <p:cSld>
     <p:spTree>
@@ -19991,7 +19824,7 @@
 </p:sld>
 </file>
 
-<file path=ppt/slides/slide45.xml><?xml version="1.0" encoding="utf-8"?>
+<file path=ppt/slides/slide44.xml><?xml version="1.0" encoding="utf-8"?>
 <p:sld xmlns:a="http://schemas.openxmlformats.org/drawingml/2006/main" xmlns:r="http://schemas.openxmlformats.org/officeDocument/2006/relationships" xmlns:p="http://schemas.openxmlformats.org/presentationml/2006/main">
   <p:cSld>
     <p:spTree>
@@ -20194,7 +20027,7 @@
 </p:sld>
 </file>
 
-<file path=ppt/slides/slide46.xml><?xml version="1.0" encoding="utf-8"?>
+<file path=ppt/slides/slide45.xml><?xml version="1.0" encoding="utf-8"?>
 <p:sld xmlns:a="http://schemas.openxmlformats.org/drawingml/2006/main" xmlns:r="http://schemas.openxmlformats.org/officeDocument/2006/relationships" xmlns:p="http://schemas.openxmlformats.org/presentationml/2006/main">
   <p:cSld>
     <p:spTree>
@@ -20231,7 +20064,7 @@
 </p:sld>
 </file>
 
-<file path=ppt/slides/slide47.xml><?xml version="1.0" encoding="utf-8"?>
+<file path=ppt/slides/slide46.xml><?xml version="1.0" encoding="utf-8"?>
 <p:sld xmlns:a="http://schemas.openxmlformats.org/drawingml/2006/main" xmlns:r="http://schemas.openxmlformats.org/officeDocument/2006/relationships" xmlns:p="http://schemas.openxmlformats.org/presentationml/2006/main">
   <p:cSld>
     <p:spTree>
@@ -20520,7 +20353,7 @@
           <a:p>
             <a:fld id="{5C997049-FE7C-4047-B997-0D2E32ABA51F}" type="slidenum">
               <a:rPr lang="de-DE" smtClean="0"/>
-              <a:t>47</a:t>
+              <a:t>46</a:t>
             </a:fld>
             <a:endParaRPr lang="de-DE"/>
           </a:p>
@@ -24441,47 +24274,4 @@
     </a:folHlink>
   </a:clrScheme>
 </a:themeOverride>
-</file>
-
-<file path=ppt/theme/themeOverride2.xml><?xml version="1.0" encoding="utf-8"?>
-<a:themeOverride xmlns:a="http://schemas.openxmlformats.org/drawingml/2006/main">
-  <a:clrScheme name="Larissa">
-    <a:dk1>
-      <a:sysClr val="windowText" lastClr="000000"/>
-    </a:dk1>
-    <a:lt1>
-      <a:sysClr val="window" lastClr="FFFFFF"/>
-    </a:lt1>
-    <a:dk2>
-      <a:srgbClr val="1F497D"/>
-    </a:dk2>
-    <a:lt2>
-      <a:srgbClr val="EEECE1"/>
-    </a:lt2>
-    <a:accent1>
-      <a:srgbClr val="4F81BD"/>
-    </a:accent1>
-    <a:accent2>
-      <a:srgbClr val="C0504D"/>
-    </a:accent2>
-    <a:accent3>
-      <a:srgbClr val="9BBB59"/>
-    </a:accent3>
-    <a:accent4>
-      <a:srgbClr val="8064A2"/>
-    </a:accent4>
-    <a:accent5>
-      <a:srgbClr val="4BACC6"/>
-    </a:accent5>
-    <a:accent6>
-      <a:srgbClr val="F79646"/>
-    </a:accent6>
-    <a:hlink>
-      <a:srgbClr val="0000FF"/>
-    </a:hlink>
-    <a:folHlink>
-      <a:srgbClr val="800080"/>
-    </a:folHlink>
-  </a:clrScheme>
-</a:themeOverride>
 </file>